--- a/Documenti/Presentazione.pptx
+++ b/Documenti/Presentazione.pptx
@@ -168,11 +168,41 @@
 <pc:chgInfo xmlns:a="http://schemas.openxmlformats.org/drawingml/2006/main" xmlns:r="http://schemas.openxmlformats.org/officeDocument/2006/relationships" xmlns:ac="http://schemas.microsoft.com/office/drawing/2013/main/command" xmlns:pc="http://schemas.microsoft.com/office/powerpoint/2013/main/command">
   <pc:docChgLst>
     <pc:chgData name="luigi.piccolo94@yahoo.it" userId="556eb003d48f480c" providerId="LiveId" clId="{5355CBCD-70C8-475C-BCEC-DBFBC92BB560}"/>
-    <pc:docChg chg="custSel addSld modSld">
-      <pc:chgData name="luigi.piccolo94@yahoo.it" userId="556eb003d48f480c" providerId="LiveId" clId="{5355CBCD-70C8-475C-BCEC-DBFBC92BB560}" dt="2018-01-30T19:04:12.378" v="32" actId="20577"/>
+    <pc:docChg chg="undo custSel addSld modSld">
+      <pc:chgData name="luigi.piccolo94@yahoo.it" userId="556eb003d48f480c" providerId="LiveId" clId="{5355CBCD-70C8-475C-BCEC-DBFBC92BB560}" dt="2018-01-31T08:15:22.081" v="53"/>
       <pc:docMkLst>
         <pc:docMk/>
       </pc:docMkLst>
+      <pc:sldChg chg="modSp addAnim delAnim">
+        <pc:chgData name="luigi.piccolo94@yahoo.it" userId="556eb003d48f480c" providerId="LiveId" clId="{5355CBCD-70C8-475C-BCEC-DBFBC92BB560}" dt="2018-01-31T08:12:24.118" v="50" actId="20577"/>
+        <pc:sldMkLst>
+          <pc:docMk/>
+          <pc:sldMk cId="943920086" sldId="257"/>
+        </pc:sldMkLst>
+        <pc:spChg chg="mod">
+          <ac:chgData name="luigi.piccolo94@yahoo.it" userId="556eb003d48f480c" providerId="LiveId" clId="{5355CBCD-70C8-475C-BCEC-DBFBC92BB560}" dt="2018-01-31T08:12:24.118" v="50" actId="20577"/>
+          <ac:spMkLst>
+            <pc:docMk/>
+            <pc:sldMk cId="943920086" sldId="257"/>
+            <ac:spMk id="5" creationId="{DEFC73DB-27ED-40B0-9F35-3C2D42D75DFD}"/>
+          </ac:spMkLst>
+        </pc:spChg>
+      </pc:sldChg>
+      <pc:sldChg chg="modSp modAnim">
+        <pc:chgData name="luigi.piccolo94@yahoo.it" userId="556eb003d48f480c" providerId="LiveId" clId="{5355CBCD-70C8-475C-BCEC-DBFBC92BB560}" dt="2018-01-31T08:15:22.081" v="53"/>
+        <pc:sldMkLst>
+          <pc:docMk/>
+          <pc:sldMk cId="3073508983" sldId="297"/>
+        </pc:sldMkLst>
+        <pc:picChg chg="mod">
+          <ac:chgData name="luigi.piccolo94@yahoo.it" userId="556eb003d48f480c" providerId="LiveId" clId="{5355CBCD-70C8-475C-BCEC-DBFBC92BB560}" dt="2018-01-31T08:15:14.822" v="51" actId="1076"/>
+          <ac:picMkLst>
+            <pc:docMk/>
+            <pc:sldMk cId="3073508983" sldId="297"/>
+            <ac:picMk id="3" creationId="{AD0E3BF2-7B67-4FBE-AE45-249E3C5B4DB4}"/>
+          </ac:picMkLst>
+        </pc:picChg>
+      </pc:sldChg>
       <pc:sldChg chg="modSp add">
         <pc:chgData name="luigi.piccolo94@yahoo.it" userId="556eb003d48f480c" providerId="LiveId" clId="{5355CBCD-70C8-475C-BCEC-DBFBC92BB560}" dt="2018-01-30T19:04:12.378" v="32" actId="20577"/>
         <pc:sldMkLst>
@@ -938,7 +968,7 @@
           <a:p>
             <a:fld id="{3DE28145-690F-47F6-BF0B-D6A56B6F284A}" type="datetimeFigureOut">
               <a:rPr lang="it-IT" smtClean="0"/>
-              <a:t>30/01/2018</a:t>
+              <a:t>31/01/2018</a:t>
             </a:fld>
             <a:endParaRPr lang="it-IT"/>
           </a:p>
@@ -1189,7 +1219,7 @@
           <a:p>
             <a:fld id="{3DE28145-690F-47F6-BF0B-D6A56B6F284A}" type="datetimeFigureOut">
               <a:rPr lang="it-IT" smtClean="0"/>
-              <a:t>30/01/2018</a:t>
+              <a:t>31/01/2018</a:t>
             </a:fld>
             <a:endParaRPr lang="it-IT"/>
           </a:p>
@@ -1503,7 +1533,7 @@
           <a:p>
             <a:fld id="{3DE28145-690F-47F6-BF0B-D6A56B6F284A}" type="datetimeFigureOut">
               <a:rPr lang="it-IT" smtClean="0"/>
-              <a:t>30/01/2018</a:t>
+              <a:t>31/01/2018</a:t>
             </a:fld>
             <a:endParaRPr lang="it-IT"/>
           </a:p>
@@ -1836,7 +1866,7 @@
           <a:p>
             <a:fld id="{3DE28145-690F-47F6-BF0B-D6A56B6F284A}" type="datetimeFigureOut">
               <a:rPr lang="it-IT" smtClean="0"/>
-              <a:t>30/01/2018</a:t>
+              <a:t>31/01/2018</a:t>
             </a:fld>
             <a:endParaRPr lang="it-IT"/>
           </a:p>
@@ -2150,7 +2180,7 @@
           <a:p>
             <a:fld id="{3DE28145-690F-47F6-BF0B-D6A56B6F284A}" type="datetimeFigureOut">
               <a:rPr lang="it-IT" smtClean="0"/>
-              <a:t>30/01/2018</a:t>
+              <a:t>31/01/2018</a:t>
             </a:fld>
             <a:endParaRPr lang="it-IT"/>
           </a:p>
@@ -2543,7 +2573,7 @@
           <a:p>
             <a:fld id="{3DE28145-690F-47F6-BF0B-D6A56B6F284A}" type="datetimeFigureOut">
               <a:rPr lang="it-IT" smtClean="0"/>
-              <a:t>30/01/2018</a:t>
+              <a:t>31/01/2018</a:t>
             </a:fld>
             <a:endParaRPr lang="it-IT"/>
           </a:p>
@@ -2713,7 +2743,7 @@
           <a:p>
             <a:fld id="{3DE28145-690F-47F6-BF0B-D6A56B6F284A}" type="datetimeFigureOut">
               <a:rPr lang="it-IT" smtClean="0"/>
-              <a:t>30/01/2018</a:t>
+              <a:t>31/01/2018</a:t>
             </a:fld>
             <a:endParaRPr lang="it-IT"/>
           </a:p>
@@ -2893,7 +2923,7 @@
           <a:p>
             <a:fld id="{3DE28145-690F-47F6-BF0B-D6A56B6F284A}" type="datetimeFigureOut">
               <a:rPr lang="it-IT" smtClean="0"/>
-              <a:t>30/01/2018</a:t>
+              <a:t>31/01/2018</a:t>
             </a:fld>
             <a:endParaRPr lang="it-IT"/>
           </a:p>
@@ -3063,7 +3093,7 @@
           <a:p>
             <a:fld id="{3DE28145-690F-47F6-BF0B-D6A56B6F284A}" type="datetimeFigureOut">
               <a:rPr lang="it-IT" smtClean="0"/>
-              <a:t>30/01/2018</a:t>
+              <a:t>31/01/2018</a:t>
             </a:fld>
             <a:endParaRPr lang="it-IT"/>
           </a:p>
@@ -3310,7 +3340,7 @@
           <a:p>
             <a:fld id="{3DE28145-690F-47F6-BF0B-D6A56B6F284A}" type="datetimeFigureOut">
               <a:rPr lang="it-IT" smtClean="0"/>
-              <a:t>30/01/2018</a:t>
+              <a:t>31/01/2018</a:t>
             </a:fld>
             <a:endParaRPr lang="it-IT"/>
           </a:p>
@@ -3542,7 +3572,7 @@
           <a:p>
             <a:fld id="{3DE28145-690F-47F6-BF0B-D6A56B6F284A}" type="datetimeFigureOut">
               <a:rPr lang="it-IT" smtClean="0"/>
-              <a:t>30/01/2018</a:t>
+              <a:t>31/01/2018</a:t>
             </a:fld>
             <a:endParaRPr lang="it-IT"/>
           </a:p>
@@ -3916,7 +3946,7 @@
           <a:p>
             <a:fld id="{3DE28145-690F-47F6-BF0B-D6A56B6F284A}" type="datetimeFigureOut">
               <a:rPr lang="it-IT" smtClean="0"/>
-              <a:t>30/01/2018</a:t>
+              <a:t>31/01/2018</a:t>
             </a:fld>
             <a:endParaRPr lang="it-IT"/>
           </a:p>
@@ -4039,7 +4069,7 @@
           <a:p>
             <a:fld id="{3DE28145-690F-47F6-BF0B-D6A56B6F284A}" type="datetimeFigureOut">
               <a:rPr lang="it-IT" smtClean="0"/>
-              <a:t>30/01/2018</a:t>
+              <a:t>31/01/2018</a:t>
             </a:fld>
             <a:endParaRPr lang="it-IT"/>
           </a:p>
@@ -4134,7 +4164,7 @@
           <a:p>
             <a:fld id="{3DE28145-690F-47F6-BF0B-D6A56B6F284A}" type="datetimeFigureOut">
               <a:rPr lang="it-IT" smtClean="0"/>
-              <a:t>30/01/2018</a:t>
+              <a:t>31/01/2018</a:t>
             </a:fld>
             <a:endParaRPr lang="it-IT"/>
           </a:p>
@@ -4389,7 +4419,7 @@
           <a:p>
             <a:fld id="{3DE28145-690F-47F6-BF0B-D6A56B6F284A}" type="datetimeFigureOut">
               <a:rPr lang="it-IT" smtClean="0"/>
-              <a:t>30/01/2018</a:t>
+              <a:t>31/01/2018</a:t>
             </a:fld>
             <a:endParaRPr lang="it-IT"/>
           </a:p>
@@ -4694,7 +4724,7 @@
           <a:p>
             <a:fld id="{3DE28145-690F-47F6-BF0B-D6A56B6F284A}" type="datetimeFigureOut">
               <a:rPr lang="it-IT" smtClean="0"/>
-              <a:t>30/01/2018</a:t>
+              <a:t>31/01/2018</a:t>
             </a:fld>
             <a:endParaRPr lang="it-IT"/>
           </a:p>
@@ -5396,7 +5426,7 @@
           <a:p>
             <a:fld id="{3DE28145-690F-47F6-BF0B-D6A56B6F284A}" type="datetimeFigureOut">
               <a:rPr lang="it-IT" smtClean="0"/>
-              <a:t>30/01/2018</a:t>
+              <a:t>31/01/2018</a:t>
             </a:fld>
             <a:endParaRPr lang="it-IT"/>
           </a:p>
@@ -13053,7 +13083,7 @@
               <a:rPr lang="it-IT" sz="4400" i="1" dirty="0">
                 <a:latin typeface="Century Gothic (Corpo)"/>
               </a:rPr>
-              <a:t>Alberto Palmiero			05121</a:t>
+              <a:t>Alberto Palmiero			0512103454</a:t>
             </a:r>
           </a:p>
           <a:p>
@@ -13065,7 +13095,7 @@
               <a:rPr lang="it-IT" sz="4400" i="1" dirty="0">
                 <a:latin typeface="Century Gothic (Corpo)"/>
               </a:rPr>
-              <a:t>Luca Reccia					05121</a:t>
+              <a:t>Luca Reccia					0512103736</a:t>
             </a:r>
           </a:p>
           <a:p>
@@ -13077,7 +13107,7 @@
               <a:rPr lang="it-IT" sz="4400" i="1" dirty="0">
                 <a:latin typeface="Century Gothic (Corpo)"/>
               </a:rPr>
-              <a:t>Nicola Volpe					05121</a:t>
+              <a:t>Nicola Volpe					0512103556</a:t>
             </a:r>
           </a:p>
           <a:p>
@@ -21901,7 +21931,7 @@
         </p:blipFill>
         <p:spPr>
           <a:xfrm>
-            <a:off x="4681065" y="769441"/>
+            <a:off x="4681064" y="788837"/>
             <a:ext cx="7510936" cy="6088559"/>
           </a:xfrm>
           <a:prstGeom prst="rect">
